--- a/help session/week1/gold_format.pptx
+++ b/help session/week1/gold_format.pptx
@@ -5,10 +5,10 @@
     <p:sldMasterId id="2147483648" r:id="rId1"/>
   </p:sldMasterIdLst>
   <p:notesMasterIdLst>
-    <p:notesMasterId r:id="rId13"/>
+    <p:notesMasterId r:id="rId14"/>
   </p:notesMasterIdLst>
   <p:handoutMasterIdLst>
-    <p:handoutMasterId r:id="rId14"/>
+    <p:handoutMasterId r:id="rId15"/>
   </p:handoutMasterIdLst>
   <p:sldIdLst>
     <p:sldId id="256" r:id="rId2"/>
@@ -20,8 +20,9 @@
     <p:sldId id="265" r:id="rId8"/>
     <p:sldId id="266" r:id="rId9"/>
     <p:sldId id="262" r:id="rId10"/>
-    <p:sldId id="267" r:id="rId11"/>
-    <p:sldId id="259" r:id="rId12"/>
+    <p:sldId id="268" r:id="rId11"/>
+    <p:sldId id="267" r:id="rId12"/>
+    <p:sldId id="259" r:id="rId13"/>
   </p:sldIdLst>
   <p:sldSz cx="13817600" cy="7772400"/>
   <p:notesSz cx="6858000" cy="9144000"/>
@@ -224,7 +225,7 @@
           <a:p>
             <a:fld id="{4D7E51A5-B478-1E40-8CBB-0DAA8831E99D}" type="datetimeFigureOut">
               <a:rPr lang="en-US" smtClean="0"/>
-              <a:t>8/24/20</a:t>
+              <a:t>8/26/20</a:t>
             </a:fld>
             <a:endParaRPr lang="en-US"/>
           </a:p>
@@ -389,7 +390,7 @@
           <a:p>
             <a:fld id="{D0ED587F-861E-6740-9643-E3DDAE89B8D6}" type="datetimeFigureOut">
               <a:rPr lang="en-US" smtClean="0"/>
-              <a:t>8/24/20</a:t>
+              <a:t>8/26/20</a:t>
             </a:fld>
             <a:endParaRPr lang="en-US"/>
           </a:p>
@@ -6740,6 +6741,170 @@
           <p:cNvPr id="2" name="Title 1">
             <a:extLst>
               <a:ext uri="{FF2B5EF4-FFF2-40B4-BE49-F238E27FC236}">
+                <a16:creationId xmlns:a16="http://schemas.microsoft.com/office/drawing/2014/main" id="{EF5DBF2D-E10A-F74F-91B0-C6B5BF0743F3}"/>
+              </a:ext>
+            </a:extLst>
+          </p:cNvPr>
+          <p:cNvSpPr>
+            <a:spLocks noGrp="1"/>
+          </p:cNvSpPr>
+          <p:nvPr>
+            <p:ph type="title"/>
+          </p:nvPr>
+        </p:nvSpPr>
+        <p:spPr/>
+        <p:txBody>
+          <a:bodyPr/>
+          <a:lstStyle/>
+          <a:p>
+            <a:r>
+              <a:rPr lang="en-US" dirty="0"/>
+              <a:t>Help Desk</a:t>
+            </a:r>
+          </a:p>
+        </p:txBody>
+      </p:sp>
+      <p:sp>
+        <p:nvSpPr>
+          <p:cNvPr id="3" name="Text Placeholder 2">
+            <a:extLst>
+              <a:ext uri="{FF2B5EF4-FFF2-40B4-BE49-F238E27FC236}">
+                <a16:creationId xmlns:a16="http://schemas.microsoft.com/office/drawing/2014/main" id="{F528C9F4-143B-6F49-840A-4BD55B742DE0}"/>
+              </a:ext>
+            </a:extLst>
+          </p:cNvPr>
+          <p:cNvSpPr>
+            <a:spLocks noGrp="1"/>
+          </p:cNvSpPr>
+          <p:nvPr>
+            <p:ph type="body" sz="quarter" idx="10"/>
+          </p:nvPr>
+        </p:nvSpPr>
+        <p:spPr>
+          <a:xfrm>
+            <a:off x="628075" y="1776683"/>
+            <a:ext cx="12561453" cy="3692293"/>
+          </a:xfrm>
+        </p:spPr>
+        <p:txBody>
+          <a:bodyPr/>
+          <a:lstStyle/>
+          <a:p>
+            <a:r>
+              <a:rPr lang="en-US" dirty="0"/>
+              <a:t>Starting Week 2</a:t>
+            </a:r>
+          </a:p>
+          <a:p>
+            <a:r>
+              <a:rPr lang="en-US" dirty="0"/>
+              <a:t>Via Microsoft Teams</a:t>
+            </a:r>
+          </a:p>
+          <a:p>
+            <a:pPr lvl="1"/>
+            <a:r>
+              <a:rPr lang="en-US" dirty="0"/>
+              <a:t>TAs will “open” the helpdesk with an announcement</a:t>
+            </a:r>
+          </a:p>
+          <a:p>
+            <a:pPr lvl="1"/>
+            <a:r>
+              <a:rPr lang="en-US" dirty="0"/>
+              <a:t>Meant for coding questions (labs / homework, readings)</a:t>
+            </a:r>
+          </a:p>
+          <a:p>
+            <a:pPr lvl="1"/>
+            <a:r>
+              <a:rPr lang="en-US" dirty="0"/>
+              <a:t>More will be posted, but visit the website for times! </a:t>
+            </a:r>
+            <a:r>
+              <a:rPr lang="en-US" dirty="0">
+                <a:hlinkClick r:id="rId2"/>
+              </a:rPr>
+              <a:t>www.cs.colostate.edu/~cs164</a:t>
+            </a:r>
+            <a:endParaRPr lang="en-US" dirty="0"/>
+          </a:p>
+          <a:p>
+            <a:pPr lvl="2"/>
+            <a:r>
+              <a:rPr lang="en-US" dirty="0"/>
+              <a:t>Make sure you follow the procedures. </a:t>
+            </a:r>
+          </a:p>
+          <a:p>
+            <a:r>
+              <a:rPr lang="en-US" dirty="0"/>
+              <a:t>General Chat</a:t>
+            </a:r>
+          </a:p>
+          <a:p>
+            <a:pPr lvl="1"/>
+            <a:r>
+              <a:rPr lang="en-US" dirty="0"/>
+              <a:t>Great place to ask questions (after this week)</a:t>
+            </a:r>
+          </a:p>
+          <a:p>
+            <a:pPr lvl="1"/>
+            <a:r>
+              <a:rPr lang="en-US" dirty="0"/>
+              <a:t>Questions should be theory or general, no code! </a:t>
+            </a:r>
+          </a:p>
+        </p:txBody>
+      </p:sp>
+    </p:spTree>
+    <p:extLst>
+      <p:ext uri="{BB962C8B-B14F-4D97-AF65-F5344CB8AC3E}">
+        <p14:creationId xmlns:p14="http://schemas.microsoft.com/office/powerpoint/2010/main" val="3825031990"/>
+      </p:ext>
+    </p:extLst>
+  </p:cSld>
+  <p:clrMapOvr>
+    <a:masterClrMapping/>
+  </p:clrMapOvr>
+  <mc:AlternateContent xmlns:mc="http://schemas.openxmlformats.org/markup-compatibility/2006" xmlns:p14="http://schemas.microsoft.com/office/powerpoint/2010/main">
+    <mc:Choice Requires="p14">
+      <p:transition p14:dur="300">
+        <p:fade/>
+      </p:transition>
+    </mc:Choice>
+    <mc:Fallback xmlns="">
+      <p:transition>
+        <p:fade/>
+      </p:transition>
+    </mc:Fallback>
+  </mc:AlternateContent>
+</p:sld>
+</file>
+
+<file path=ppt/slides/slide11.xml><?xml version="1.0" encoding="utf-8"?>
+<p:sld xmlns:a="http://schemas.openxmlformats.org/drawingml/2006/main" xmlns:r="http://schemas.openxmlformats.org/officeDocument/2006/relationships" xmlns:p="http://schemas.openxmlformats.org/presentationml/2006/main">
+  <p:cSld>
+    <p:spTree>
+      <p:nvGrpSpPr>
+        <p:cNvPr id="1" name=""/>
+        <p:cNvGrpSpPr/>
+        <p:nvPr/>
+      </p:nvGrpSpPr>
+      <p:grpSpPr>
+        <a:xfrm>
+          <a:off x="0" y="0"/>
+          <a:ext cx="0" cy="0"/>
+          <a:chOff x="0" y="0"/>
+          <a:chExt cx="0" cy="0"/>
+        </a:xfrm>
+      </p:grpSpPr>
+      <p:sp>
+        <p:nvSpPr>
+          <p:cNvPr id="2" name="Title 1">
+            <a:extLst>
+              <a:ext uri="{FF2B5EF4-FFF2-40B4-BE49-F238E27FC236}">
                 <a16:creationId xmlns:a16="http://schemas.microsoft.com/office/drawing/2014/main" id="{0CD8928F-A8B0-0742-B52A-54677ED7F2D4}"/>
               </a:ext>
             </a:extLst>
@@ -6898,7 +7063,7 @@
 </p:sld>
 </file>
 
-<file path=ppt/slides/slide11.xml><?xml version="1.0" encoding="utf-8"?>
+<file path=ppt/slides/slide12.xml><?xml version="1.0" encoding="utf-8"?>
 <p:sld xmlns:a="http://schemas.openxmlformats.org/drawingml/2006/main" xmlns:r="http://schemas.openxmlformats.org/officeDocument/2006/relationships" xmlns:p="http://schemas.openxmlformats.org/presentationml/2006/main">
   <p:cSld>
     <p:spTree>

--- a/help session/week1/gold_format.pptx
+++ b/help session/week1/gold_format.pptx
@@ -5,10 +5,10 @@
     <p:sldMasterId id="2147483648" r:id="rId1"/>
   </p:sldMasterIdLst>
   <p:notesMasterIdLst>
-    <p:notesMasterId r:id="rId14"/>
+    <p:notesMasterId r:id="rId13"/>
   </p:notesMasterIdLst>
   <p:handoutMasterIdLst>
-    <p:handoutMasterId r:id="rId15"/>
+    <p:handoutMasterId r:id="rId14"/>
   </p:handoutMasterIdLst>
   <p:sldIdLst>
     <p:sldId id="256" r:id="rId2"/>
@@ -21,8 +21,7 @@
     <p:sldId id="266" r:id="rId9"/>
     <p:sldId id="262" r:id="rId10"/>
     <p:sldId id="268" r:id="rId11"/>
-    <p:sldId id="267" r:id="rId12"/>
-    <p:sldId id="259" r:id="rId13"/>
+    <p:sldId id="259" r:id="rId12"/>
   </p:sldIdLst>
   <p:sldSz cx="13817600" cy="7772400"/>
   <p:notesSz cx="6858000" cy="9144000"/>
@@ -225,7 +224,7 @@
           <a:p>
             <a:fld id="{4D7E51A5-B478-1E40-8CBB-0DAA8831E99D}" type="datetimeFigureOut">
               <a:rPr lang="en-US" smtClean="0"/>
-              <a:t>8/26/20</a:t>
+              <a:t>1/18/21</a:t>
             </a:fld>
             <a:endParaRPr lang="en-US"/>
           </a:p>
@@ -390,7 +389,7 @@
           <a:p>
             <a:fld id="{D0ED587F-861E-6740-9643-E3DDAE89B8D6}" type="datetimeFigureOut">
               <a:rPr lang="en-US" smtClean="0"/>
-              <a:t>8/26/20</a:t>
+              <a:t>1/18/21</a:t>
             </a:fld>
             <a:endParaRPr lang="en-US"/>
           </a:p>
@@ -6783,7 +6782,7 @@
         <p:spPr>
           <a:xfrm>
             <a:off x="628075" y="1776683"/>
-            <a:ext cx="12561453" cy="3692293"/>
+            <a:ext cx="12561453" cy="5295809"/>
           </a:xfrm>
         </p:spPr>
         <p:txBody>
@@ -6854,6 +6853,33 @@
             <a:r>
               <a:rPr lang="en-US" dirty="0"/>
               <a:t>Questions should be theory or general, no code! </a:t>
+            </a:r>
+          </a:p>
+          <a:p>
+            <a:r>
+              <a:rPr lang="en-US" dirty="0"/>
+              <a:t>Your Private Group</a:t>
+            </a:r>
+          </a:p>
+          <a:p>
+            <a:pPr lvl="1"/>
+            <a:r>
+              <a:rPr lang="en-US" dirty="0"/>
+              <a:t>Still no code – but use this for video chat with other members of your lecture group</a:t>
+            </a:r>
+          </a:p>
+          <a:p>
+            <a:pPr lvl="1"/>
+            <a:r>
+              <a:rPr lang="en-US" dirty="0"/>
+              <a:t>Talk with each other</a:t>
+            </a:r>
+          </a:p>
+          <a:p>
+            <a:pPr lvl="1"/>
+            <a:r>
+              <a:rPr lang="en-US" dirty="0"/>
+              <a:t>Help each other out!</a:t>
             </a:r>
           </a:p>
         </p:txBody>
@@ -6905,186 +6931,6 @@
           <p:cNvPr id="2" name="Title 1">
             <a:extLst>
               <a:ext uri="{FF2B5EF4-FFF2-40B4-BE49-F238E27FC236}">
-                <a16:creationId xmlns:a16="http://schemas.microsoft.com/office/drawing/2014/main" id="{0CD8928F-A8B0-0742-B52A-54677ED7F2D4}"/>
-              </a:ext>
-            </a:extLst>
-          </p:cNvPr>
-          <p:cNvSpPr>
-            <a:spLocks noGrp="1"/>
-          </p:cNvSpPr>
-          <p:nvPr>
-            <p:ph type="title"/>
-          </p:nvPr>
-        </p:nvSpPr>
-        <p:spPr/>
-        <p:txBody>
-          <a:bodyPr/>
-          <a:lstStyle/>
-          <a:p>
-            <a:r>
-              <a:rPr lang="en-US" dirty="0"/>
-              <a:t>COVID – and being sick</a:t>
-            </a:r>
-          </a:p>
-        </p:txBody>
-      </p:sp>
-      <p:sp>
-        <p:nvSpPr>
-          <p:cNvPr id="3" name="Text Placeholder 2">
-            <a:extLst>
-              <a:ext uri="{FF2B5EF4-FFF2-40B4-BE49-F238E27FC236}">
-                <a16:creationId xmlns:a16="http://schemas.microsoft.com/office/drawing/2014/main" id="{0CB79C01-DBC2-CF4D-B0F9-54AB036C10A6}"/>
-              </a:ext>
-            </a:extLst>
-          </p:cNvPr>
-          <p:cNvSpPr>
-            <a:spLocks noGrp="1"/>
-          </p:cNvSpPr>
-          <p:nvPr>
-            <p:ph type="body" sz="quarter" idx="10"/>
-          </p:nvPr>
-        </p:nvSpPr>
-        <p:spPr>
-          <a:xfrm>
-            <a:off x="628075" y="1776683"/>
-            <a:ext cx="12561453" cy="4923464"/>
-          </a:xfrm>
-        </p:spPr>
-        <p:txBody>
-          <a:bodyPr/>
-          <a:lstStyle/>
-          <a:p>
-            <a:r>
-              <a:rPr lang="en-US" dirty="0"/>
-              <a:t>If the symptom checker says “don’t come to campus”</a:t>
-            </a:r>
-          </a:p>
-          <a:p>
-            <a:pPr lvl="1"/>
-            <a:r>
-              <a:rPr lang="en-US" dirty="0"/>
-              <a:t>Then </a:t>
-            </a:r>
-            <a:r>
-              <a:rPr lang="en-US" i="1" dirty="0"/>
-              <a:t>don’t come to campus</a:t>
-            </a:r>
-          </a:p>
-          <a:p>
-            <a:r>
-              <a:rPr lang="en-US" dirty="0"/>
-              <a:t>Everything is </a:t>
-            </a:r>
-            <a:r>
-              <a:rPr lang="en-US" b="1" dirty="0"/>
-              <a:t>performance</a:t>
-            </a:r>
-            <a:r>
-              <a:rPr lang="en-US" dirty="0"/>
-              <a:t> based</a:t>
-            </a:r>
-          </a:p>
-          <a:p>
-            <a:pPr lvl="1"/>
-            <a:r>
-              <a:rPr lang="en-US" dirty="0"/>
-              <a:t>Which means we only take attendance for extra credit. </a:t>
-            </a:r>
-          </a:p>
-          <a:p>
-            <a:r>
-              <a:rPr lang="en-US" dirty="0"/>
-              <a:t>As long as you get it done, you are fine. </a:t>
-            </a:r>
-          </a:p>
-          <a:p>
-            <a:pPr lvl="1"/>
-            <a:r>
-              <a:rPr lang="en-US" dirty="0"/>
-              <a:t>If you are unable to work, please work with case management! </a:t>
-            </a:r>
-          </a:p>
-          <a:p>
-            <a:pPr lvl="1"/>
-            <a:endParaRPr lang="en-US" dirty="0"/>
-          </a:p>
-          <a:p>
-            <a:pPr lvl="1"/>
-            <a:endParaRPr lang="en-US" dirty="0"/>
-          </a:p>
-          <a:p>
-            <a:pPr lvl="1"/>
-            <a:endParaRPr lang="en-US" dirty="0"/>
-          </a:p>
-          <a:p>
-            <a:r>
-              <a:rPr lang="en-US" dirty="0"/>
-              <a:t>Extra Credit</a:t>
-            </a:r>
-          </a:p>
-          <a:p>
-            <a:pPr lvl="1"/>
-            <a:r>
-              <a:rPr lang="en-US" dirty="0"/>
-              <a:t>You have enough for an entire letter grade (maxes at 100 points)</a:t>
-            </a:r>
-          </a:p>
-          <a:p>
-            <a:pPr lvl="1"/>
-            <a:r>
-              <a:rPr lang="en-US" dirty="0"/>
-              <a:t>You should do it!</a:t>
-            </a:r>
-          </a:p>
-        </p:txBody>
-      </p:sp>
-    </p:spTree>
-    <p:extLst>
-      <p:ext uri="{BB962C8B-B14F-4D97-AF65-F5344CB8AC3E}">
-        <p14:creationId xmlns:p14="http://schemas.microsoft.com/office/powerpoint/2010/main" val="2179074780"/>
-      </p:ext>
-    </p:extLst>
-  </p:cSld>
-  <p:clrMapOvr>
-    <a:masterClrMapping/>
-  </p:clrMapOvr>
-  <mc:AlternateContent xmlns:mc="http://schemas.openxmlformats.org/markup-compatibility/2006" xmlns:p14="http://schemas.microsoft.com/office/powerpoint/2010/main">
-    <mc:Choice Requires="p14">
-      <p:transition p14:dur="300">
-        <p:fade/>
-      </p:transition>
-    </mc:Choice>
-    <mc:Fallback xmlns="">
-      <p:transition>
-        <p:fade/>
-      </p:transition>
-    </mc:Fallback>
-  </mc:AlternateContent>
-</p:sld>
-</file>
-
-<file path=ppt/slides/slide12.xml><?xml version="1.0" encoding="utf-8"?>
-<p:sld xmlns:a="http://schemas.openxmlformats.org/drawingml/2006/main" xmlns:r="http://schemas.openxmlformats.org/officeDocument/2006/relationships" xmlns:p="http://schemas.openxmlformats.org/presentationml/2006/main">
-  <p:cSld>
-    <p:spTree>
-      <p:nvGrpSpPr>
-        <p:cNvPr id="1" name=""/>
-        <p:cNvGrpSpPr/>
-        <p:nvPr/>
-      </p:nvGrpSpPr>
-      <p:grpSpPr>
-        <a:xfrm>
-          <a:off x="0" y="0"/>
-          <a:ext cx="0" cy="0"/>
-          <a:chOff x="0" y="0"/>
-          <a:chExt cx="0" cy="0"/>
-        </a:xfrm>
-      </p:grpSpPr>
-      <p:sp>
-        <p:nvSpPr>
-          <p:cNvPr id="2" name="Title 1">
-            <a:extLst>
-              <a:ext uri="{FF2B5EF4-FFF2-40B4-BE49-F238E27FC236}">
                 <a16:creationId xmlns:a16="http://schemas.microsoft.com/office/drawing/2014/main" id="{6302E6FC-80C8-2F4C-A9F0-9B205434775A}"/>
               </a:ext>
             </a:extLst>
@@ -7172,7 +7018,15 @@
             <a:pPr lvl="1"/>
             <a:r>
               <a:rPr lang="en-US" dirty="0"/>
-              <a:t>Practice often (daily)</a:t>
+              <a:t>Practice often (</a:t>
+            </a:r>
+            <a:r>
+              <a:rPr lang="en-US" b="1" dirty="0"/>
+              <a:t>daily</a:t>
+            </a:r>
+            <a:r>
+              <a:rPr lang="en-US" dirty="0"/>
+              <a:t>)</a:t>
             </a:r>
           </a:p>
           <a:p>
@@ -7325,7 +7179,7 @@
         <p:spPr>
           <a:xfrm>
             <a:off x="628075" y="1776683"/>
-            <a:ext cx="12561453" cy="3692357"/>
+            <a:ext cx="12561453" cy="4064702"/>
           </a:xfrm>
         </p:spPr>
         <p:txBody>
@@ -7341,7 +7195,7 @@
             <a:pPr lvl="1"/>
             <a:r>
               <a:rPr lang="en-US" dirty="0"/>
-              <a:t>smaller rooms, we can do this for everyone</a:t>
+              <a:t>Cameras on please! This is a small enough group. </a:t>
             </a:r>
           </a:p>
           <a:p>
@@ -7367,7 +7221,7 @@
             <a:pPr lvl="1"/>
             <a:r>
               <a:rPr lang="en-US" dirty="0"/>
-              <a:t>This help session is your cohort</a:t>
+              <a:t>This lecture group (help session) is your cohort</a:t>
             </a:r>
           </a:p>
           <a:p>
@@ -7381,7 +7235,14 @@
             <a:pPr lvl="2"/>
             <a:r>
               <a:rPr lang="en-US" dirty="0"/>
-              <a:t>These are the people that will help you through! </a:t>
+              <a:t>These are the people that will help you through!</a:t>
+            </a:r>
+          </a:p>
+          <a:p>
+            <a:pPr lvl="2"/>
+            <a:r>
+              <a:rPr lang="en-US" dirty="0"/>
+              <a:t>We all struggle while learning, that is good – but building community makes a difference.  </a:t>
             </a:r>
           </a:p>
           <a:p>
@@ -7563,8 +7424,12 @@
           <a:p>
             <a:pPr lvl="2"/>
             <a:r>
-              <a:rPr lang="en-US" dirty="0"/>
-              <a:t>Extra long labs, multiple parts</a:t>
+              <a:rPr lang="en-US" b="1" dirty="0"/>
+              <a:t>Extra long </a:t>
+            </a:r>
+            <a:r>
+              <a:rPr lang="en-US" dirty="0"/>
+              <a:t>labs, multiple parts</a:t>
             </a:r>
           </a:p>
           <a:p>
@@ -7736,7 +7601,7 @@
           <a:p>
             <a:pPr lvl="1"/>
             <a:r>
-              <a:rPr lang="en-US" dirty="0"/>
+              <a:rPr lang="en-US" i="1" dirty="0"/>
               <a:t>Note: This is enough flexibility to get you in trouble! – Don’t be that person.</a:t>
             </a:r>
           </a:p>
@@ -7901,7 +7766,7 @@
           <a:p>
             <a:r>
               <a:rPr lang="en-US" dirty="0"/>
-              <a:t>First reading is the longest by far! </a:t>
+              <a:t>First reading is the longest! </a:t>
             </a:r>
           </a:p>
           <a:p>
@@ -8652,7 +8517,15 @@
             <a:pPr lvl="1"/>
             <a:r>
               <a:rPr lang="en-US" dirty="0"/>
-              <a:t>You will also get frustrated, so start early (2 – 4 windows, start day 1!)</a:t>
+              <a:t>You will also get frustrated, so start early (2 – 4 windows, </a:t>
+            </a:r>
+            <a:r>
+              <a:rPr lang="en-US" u="sng" dirty="0"/>
+              <a:t>start day 1</a:t>
+            </a:r>
+            <a:r>
+              <a:rPr lang="en-US" dirty="0"/>
+              <a:t>!)</a:t>
             </a:r>
           </a:p>
           <a:p>
@@ -8753,7 +8626,7 @@
         <p:spPr>
           <a:xfrm>
             <a:off x="628075" y="1776683"/>
-            <a:ext cx="12561453" cy="4064702"/>
+            <a:ext cx="12561453" cy="3688382"/>
           </a:xfrm>
         </p:spPr>
         <p:txBody>
@@ -8769,7 +8642,7 @@
             <a:pPr lvl="1"/>
             <a:r>
               <a:rPr lang="en-US" dirty="0"/>
-              <a:t>Three parts</a:t>
+              <a:t>Three parts (in this order to take them!)</a:t>
             </a:r>
           </a:p>
           <a:p>
@@ -8822,13 +8695,9 @@
               <a:rPr lang="en-US" dirty="0" err="1"/>
               <a:t>respondus</a:t>
             </a:r>
-            <a:endParaRPr lang="en-US" dirty="0"/>
-          </a:p>
-          <a:p>
-            <a:pPr lvl="1"/>
-            <a:r>
-              <a:rPr lang="en-US" dirty="0"/>
-              <a:t>Which is why the syllabus quiz requires it – just to make sure you are ready for the exam in four weeks</a:t>
+            <a:r>
+              <a:rPr lang="en-US" dirty="0"/>
+              <a:t>!</a:t>
             </a:r>
           </a:p>
         </p:txBody>
@@ -8898,7 +8767,7 @@
           <a:p>
             <a:r>
               <a:rPr lang="en-US" dirty="0"/>
-              <a:t>Help Sessions / On-Campus</a:t>
+              <a:t>Lecture / On-Campus</a:t>
             </a:r>
           </a:p>
         </p:txBody>
@@ -8921,8 +8790,8 @@
         </p:nvSpPr>
         <p:spPr>
           <a:xfrm>
-            <a:off x="628075" y="1776683"/>
-            <a:ext cx="9775099" cy="5405839"/>
+            <a:off x="628075" y="1463722"/>
+            <a:ext cx="9775099" cy="5668283"/>
           </a:xfrm>
         </p:spPr>
         <p:txBody>
@@ -8945,7 +8814,7 @@
             <a:pPr lvl="1"/>
             <a:r>
               <a:rPr lang="en-US" dirty="0"/>
-              <a:t>Wednesday or Friday – your help session (like today)</a:t>
+              <a:t>Wednesday or Friday – a ‘help session’ / lecture</a:t>
             </a:r>
           </a:p>
           <a:p>
@@ -8958,21 +8827,28 @@
             <a:pPr lvl="1"/>
             <a:r>
               <a:rPr lang="en-US" dirty="0"/>
-              <a:t>No, but…</a:t>
-            </a:r>
-          </a:p>
-          <a:p>
-            <a:pPr lvl="1"/>
-            <a:r>
-              <a:rPr lang="en-US" dirty="0"/>
-              <a:t>Really, really good idea. </a:t>
-            </a:r>
-          </a:p>
-          <a:p>
-            <a:pPr lvl="1"/>
-            <a:r>
-              <a:rPr lang="en-US" dirty="0"/>
-              <a:t>We give extra credit per help session you attend</a:t>
+              <a:t>Yes!, Why?</a:t>
+            </a:r>
+          </a:p>
+          <a:p>
+            <a:pPr lvl="2"/>
+            <a:r>
+              <a:rPr lang="en-US" dirty="0"/>
+              <a:t>Discussions and community</a:t>
+            </a:r>
+          </a:p>
+          <a:p>
+            <a:pPr lvl="2"/>
+            <a:r>
+              <a:rPr lang="en-US" dirty="0"/>
+              <a:t>By student request</a:t>
+            </a:r>
+          </a:p>
+          <a:p>
+            <a:pPr lvl="2"/>
+            <a:r>
+              <a:rPr lang="en-US" dirty="0"/>
+              <a:t>We have flexibility built in (don’t come to campus sick!)</a:t>
             </a:r>
           </a:p>
           <a:p>
